--- a/client/lecture/3주차.pptx
+++ b/client/lecture/3주차.pptx
@@ -2,7 +2,7 @@
 <file path=ppt/presentation.xml><?xml version="1.0" encoding="utf-8"?>
 <p:presentation xmlns:a="http://schemas.openxmlformats.org/drawingml/2006/main" xmlns:r="http://schemas.openxmlformats.org/officeDocument/2006/relationships" xmlns:p="http://schemas.openxmlformats.org/presentationml/2006/main" xmlns:p14="http://schemas.microsoft.com/office/powerpoint/2010/main" saveSubsetFonts="1">
   <p:sldMasterIdLst>
-    <p:sldMasterId id="2147483688" r:id="rId13"/>
+    <p:sldMasterId id="2147483689" r:id="rId13"/>
   </p:sldMasterIdLst>
   <p:notesMasterIdLst>
     <p:notesMasterId r:id="rId17"/>
@@ -12,8 +12,8 @@
   </p:handoutMasterIdLst>
   <p:sldIdLst>
     <p:sldId id="261" r:id="rId19"/>
+    <p:sldId id="260" r:id="rId20"/>
     <p:sldId id="262" r:id="rId21"/>
-    <p:sldId id="260" r:id="rId22"/>
   </p:sldIdLst>
   <p:sldSz cx="12192000" cy="6858000"/>
   <p:notesSz cx="6858000" cy="9144000"/>
@@ -3910,8 +3910,8 @@
         </p:nvSpPr>
         <p:spPr>
           <a:xfrm rot="0">
-            <a:off x="1269365" y="415290"/>
-            <a:ext cx="9546590" cy="2861945"/>
+            <a:off x="360680" y="415290"/>
+            <a:ext cx="11597005" cy="4091940"/>
           </a:xfrm>
           <a:prstGeom prst="rect"/>
           <a:noFill/>
@@ -3935,7 +3935,7 @@
               <a:buNone/>
             </a:pPr>
             <a:r>
-              <a:rPr i="0" b="1">
+              <a:rPr sz="3000" i="0" b="1">
                 <a:solidFill>
                   <a:srgbClr val="212529"/>
                 </a:solidFill>
@@ -3944,7 +3944,7 @@
               </a:rPr>
               <a:t>코루틴</a:t>
             </a:r>
-            <a:endParaRPr lang="ko-KR" altLang="en-US" i="0" b="1">
+            <a:endParaRPr lang="ko-KR" altLang="en-US" sz="3000" i="0" b="1">
               <a:solidFill>
                 <a:srgbClr val="212529"/>
               </a:solidFill>
@@ -3978,69 +3978,72 @@
                 <a:latin typeface="Malgun Gothic" charset="0"/>
                 <a:ea typeface="Malgun Gothic" charset="0"/>
               </a:rPr>
-              <a:t> - </a:t>
-            </a:r>
-            <a:r>
-              <a:rPr lang="ko-KR" sz="1350" i="0" b="0">
+              <a:t> </a:t>
+            </a:r>
+            <a:r>
+              <a:rPr sz="2000" i="0" b="0">
                 <a:solidFill>
                   <a:srgbClr val="212529"/>
                 </a:solidFill>
                 <a:latin typeface="Malgun Gothic" charset="0"/>
                 <a:ea typeface="Malgun Gothic" charset="0"/>
               </a:rPr>
-              <a:t>함수타입 </a:t>
-            </a:r>
-            <a:r>
-              <a:rPr lang="ko-KR" sz="1350" i="0" b="0">
+              <a:t>- </a:t>
+            </a:r>
+            <a:r>
+              <a:rPr lang="ko-KR" sz="2000" i="0" b="0">
                 <a:solidFill>
                   <a:srgbClr val="212529"/>
                 </a:solidFill>
                 <a:latin typeface="Malgun Gothic" charset="0"/>
                 <a:ea typeface="Malgun Gothic" charset="0"/>
               </a:rPr>
-              <a:t>: </a:t>
-            </a:r>
-            <a:r>
-              <a:rPr lang="ko-KR" sz="1350" i="0" b="0">
+              <a:t>함수타입</a:t>
+            </a:r>
+            <a:r>
+              <a:rPr lang="ko-KR" sz="2000" i="0" b="0">
                 <a:solidFill>
                   <a:srgbClr val="212529"/>
                 </a:solidFill>
                 <a:latin typeface="Malgun Gothic" charset="0"/>
                 <a:ea typeface="Malgun Gothic" charset="0"/>
               </a:rPr>
-              <a:t>IE</a:t>
-            </a:r>
-            <a:r>
-              <a:rPr lang="ko-KR" sz="1350" i="0" b="0">
+              <a:t> </a:t>
+            </a:r>
+            <a:r>
+              <a:rPr lang="ko-KR" sz="2000" i="0" b="0">
                 <a:solidFill>
                   <a:srgbClr val="212529"/>
                 </a:solidFill>
                 <a:latin typeface="Malgun Gothic" charset="0"/>
                 <a:ea typeface="Malgun Gothic" charset="0"/>
               </a:rPr>
-              <a:t>numerat</a:t>
-            </a:r>
-            <a:r>
-              <a:rPr lang="ko-KR" sz="1350" i="0" b="0">
+              <a:t>: IEnumerator</a:t>
+            </a:r>
+            <a:endParaRPr lang="ko-KR" altLang="en-US" sz="2000" i="0" b="0">
+              <a:solidFill>
+                <a:srgbClr val="212529"/>
+              </a:solidFill>
+              <a:latin typeface="Malgun Gothic" charset="0"/>
+              <a:ea typeface="Malgun Gothic" charset="0"/>
+            </a:endParaRPr>
+          </a:p>
+          <a:p>
+            <a:pPr marL="0" indent="0" algn="l">
+              <a:buFontTx/>
+              <a:buNone/>
+            </a:pPr>
+            <a:r>
+              <a:rPr lang="ko-KR" sz="2000" i="0" b="0">
                 <a:solidFill>
                   <a:srgbClr val="212529"/>
                 </a:solidFill>
                 <a:latin typeface="Malgun Gothic" charset="0"/>
                 <a:ea typeface="Malgun Gothic" charset="0"/>
               </a:rPr>
-              <a:t>o</a:t>
-            </a:r>
-            <a:r>
-              <a:rPr lang="ko-KR" sz="1350" i="0" b="0">
-                <a:solidFill>
-                  <a:srgbClr val="212529"/>
-                </a:solidFill>
-                <a:latin typeface="Malgun Gothic" charset="0"/>
-                <a:ea typeface="Malgun Gothic" charset="0"/>
-              </a:rPr>
-              <a:t>r</a:t>
-            </a:r>
-            <a:endParaRPr lang="ko-KR" altLang="en-US" sz="1350" i="0" b="0">
+              <a:t> - 대기 로직 : yield return </a:t>
+            </a:r>
+            <a:endParaRPr lang="ko-KR" altLang="en-US" sz="2000" i="0" b="0">
               <a:solidFill>
                 <a:srgbClr val="212529"/>
               </a:solidFill>
@@ -4054,50 +4057,7 @@
               <a:buNone/>
             </a:pPr>
             <a:r>
-              <a:rPr lang="ko-KR" sz="1350" i="0" b="0">
-                <a:solidFill>
-                  <a:srgbClr val="212529"/>
-                </a:solidFill>
-                <a:latin typeface="Malgun Gothic" charset="0"/>
-                <a:ea typeface="Malgun Gothic" charset="0"/>
-              </a:rPr>
-              <a:t> - 대기 </a:t>
-            </a:r>
-            <a:r>
-              <a:rPr lang="ko-KR" sz="1350" i="0" b="0">
-                <a:solidFill>
-                  <a:srgbClr val="212529"/>
-                </a:solidFill>
-                <a:latin typeface="Malgun Gothic" charset="0"/>
-                <a:ea typeface="Malgun Gothic" charset="0"/>
-              </a:rPr>
-              <a:t>로직 </a:t>
-            </a:r>
-            <a:r>
-              <a:rPr lang="ko-KR" sz="1350" i="0" b="0">
-                <a:solidFill>
-                  <a:srgbClr val="212529"/>
-                </a:solidFill>
-                <a:latin typeface="Malgun Gothic" charset="0"/>
-                <a:ea typeface="Malgun Gothic" charset="0"/>
-              </a:rPr>
-              <a:t>: yield return </a:t>
-            </a:r>
-            <a:endParaRPr lang="ko-KR" altLang="en-US" sz="1350" i="0" b="0">
-              <a:solidFill>
-                <a:srgbClr val="212529"/>
-              </a:solidFill>
-              <a:latin typeface="Malgun Gothic" charset="0"/>
-              <a:ea typeface="Malgun Gothic" charset="0"/>
-            </a:endParaRPr>
-          </a:p>
-          <a:p>
-            <a:pPr marL="0" indent="0" algn="l">
-              <a:buFontTx/>
-              <a:buNone/>
-            </a:pPr>
-            <a:r>
-              <a:rPr sz="1350" i="0" b="0">
+              <a:rPr sz="2000" i="0" b="0">
                 <a:solidFill>
                   <a:srgbClr val="212529"/>
                 </a:solidFill>
@@ -4107,89 +4067,39 @@
               <a:t> - </a:t>
             </a:r>
             <a:r>
-              <a:rPr lang="ko-KR" sz="1350" i="0" b="0">
+              <a:rPr lang="ko-KR" sz="2000" i="0" b="0">
                 <a:solidFill>
                   <a:srgbClr val="212529"/>
                 </a:solidFill>
                 <a:latin typeface="Malgun Gothic" charset="0"/>
                 <a:ea typeface="Malgun Gothic" charset="0"/>
               </a:rPr>
-              <a:t>실행 </a:t>
-            </a:r>
-            <a:r>
-              <a:rPr lang="ko-KR" sz="1350" i="0" b="0">
+              <a:t>실행 : StartCoroutine()</a:t>
+            </a:r>
+            <a:endParaRPr lang="ko-KR" altLang="en-US" sz="2000" i="0" b="0">
+              <a:solidFill>
+                <a:srgbClr val="212529"/>
+              </a:solidFill>
+              <a:latin typeface="Malgun Gothic" charset="0"/>
+              <a:ea typeface="Malgun Gothic" charset="0"/>
+            </a:endParaRPr>
+          </a:p>
+          <a:p>
+            <a:pPr marL="0" indent="0" algn="l">
+              <a:buFontTx/>
+              <a:buNone/>
+            </a:pPr>
+            <a:r>
+              <a:rPr lang="ko-KR" sz="2000" i="0" b="0">
                 <a:solidFill>
                   <a:srgbClr val="212529"/>
                 </a:solidFill>
                 <a:latin typeface="Malgun Gothic" charset="0"/>
                 <a:ea typeface="Malgun Gothic" charset="0"/>
               </a:rPr>
-              <a:t>: </a:t>
-            </a:r>
-            <a:r>
-              <a:rPr lang="ko-KR" sz="1350" i="0" b="0">
-                <a:solidFill>
-                  <a:srgbClr val="212529"/>
-                </a:solidFill>
-                <a:latin typeface="Malgun Gothic" charset="0"/>
-                <a:ea typeface="Malgun Gothic" charset="0"/>
-              </a:rPr>
-              <a:t>S</a:t>
-            </a:r>
-            <a:r>
-              <a:rPr lang="ko-KR" sz="1350" i="0" b="0">
-                <a:solidFill>
-                  <a:srgbClr val="212529"/>
-                </a:solidFill>
-                <a:latin typeface="Malgun Gothic" charset="0"/>
-                <a:ea typeface="Malgun Gothic" charset="0"/>
-              </a:rPr>
-              <a:t>tartCoroutine()</a:t>
-            </a:r>
-            <a:endParaRPr lang="ko-KR" altLang="en-US" sz="1350" i="0" b="0">
-              <a:solidFill>
-                <a:srgbClr val="212529"/>
-              </a:solidFill>
-              <a:latin typeface="Malgun Gothic" charset="0"/>
-              <a:ea typeface="Malgun Gothic" charset="0"/>
-            </a:endParaRPr>
-          </a:p>
-          <a:p>
-            <a:pPr marL="0" indent="0" algn="l">
-              <a:buFontTx/>
-              <a:buNone/>
-            </a:pPr>
-            <a:r>
-              <a:rPr lang="ko-KR" sz="1350" i="0" b="0">
-                <a:solidFill>
-                  <a:srgbClr val="212529"/>
-                </a:solidFill>
-                <a:latin typeface="Malgun Gothic" charset="0"/>
-                <a:ea typeface="Malgun Gothic" charset="0"/>
-              </a:rPr>
-              <a:t> - </a:t>
-            </a:r>
-            <a:r>
-              <a:rPr lang="ko-KR" sz="1350" i="0" b="0">
-                <a:solidFill>
-                  <a:srgbClr val="212529"/>
-                </a:solidFill>
-                <a:latin typeface="Malgun Gothic" charset="0"/>
-                <a:ea typeface="Malgun Gothic" charset="0"/>
-              </a:rPr>
-              <a:t>단 </a:t>
-            </a:r>
-            <a:r>
-              <a:rPr lang="ko-KR" sz="1350" i="0" b="0">
-                <a:solidFill>
-                  <a:srgbClr val="212529"/>
-                </a:solidFill>
-                <a:latin typeface="Malgun Gothic" charset="0"/>
-                <a:ea typeface="Malgun Gothic" charset="0"/>
-              </a:rPr>
-              <a:t>스레드는 아님.</a:t>
-            </a:r>
-            <a:endParaRPr lang="ko-KR" altLang="en-US" sz="1350" i="0" b="0">
+              <a:t> - 단 스레드는 아님.</a:t>
+            </a:r>
+            <a:endParaRPr lang="ko-KR" altLang="en-US" sz="2000" i="0" b="0">
               <a:solidFill>
                 <a:srgbClr val="212529"/>
               </a:solidFill>
@@ -4255,17 +4165,27 @@
               <a:buNone/>
             </a:pPr>
             <a:r>
-              <a:rPr lang="ko-KR" i="0" b="1">
+              <a:rPr lang="ko-KR" sz="3000" i="0" b="1">
                 <a:solidFill>
                   <a:srgbClr val="212529"/>
                 </a:solidFill>
                 <a:latin typeface="Malgun Gothic" charset="0"/>
                 <a:ea typeface="Malgun Gothic" charset="0"/>
               </a:rPr>
-              <a:t>공식문서 </a:t>
-            </a:r>
-            <a:r>
-              <a:rPr lang="ko-KR" i="0" b="1">
+              <a:t>공식문서</a:t>
+            </a:r>
+            <a:r>
+              <a:rPr lang="ko-KR" sz="3000" i="0" b="1">
+                <a:solidFill>
+                  <a:srgbClr val="212529"/>
+                </a:solidFill>
+                <a:latin typeface="Malgun Gothic" charset="0"/>
+                <a:ea typeface="Malgun Gothic" charset="0"/>
+              </a:rPr>
+              <a:t> </a:t>
+            </a:r>
+            <a:r>
+              <a:rPr lang="ko-KR" sz="3000" i="0" b="1">
                 <a:solidFill>
                   <a:srgbClr val="212529"/>
                 </a:solidFill>
@@ -4275,7 +4195,7 @@
               <a:t>: </a:t>
             </a:r>
             <a:r>
-              <a:rPr i="0" b="1">
+              <a:rPr sz="3000" i="0" b="1">
                 <a:solidFill>
                   <a:srgbClr val="212529"/>
                 </a:solidFill>
@@ -4284,7 +4204,7 @@
               </a:rPr>
               <a:t>https://docs.unity3d.com/kr/2023.2/Manual/Coroutines.html</a:t>
             </a:r>
-            <a:endParaRPr lang="ko-KR" altLang="en-US" sz="1350" i="0" b="0">
+            <a:endParaRPr lang="ko-KR" altLang="en-US" sz="3000" i="0" b="1">
               <a:solidFill>
                 <a:srgbClr val="212529"/>
               </a:solidFill>
@@ -4353,9 +4273,9 @@
           <p:nvPr/>
         </p:nvSpPr>
         <p:spPr>
-          <a:xfrm>
-            <a:off x="1269365" y="415290"/>
-            <a:ext cx="9547225" cy="2446655"/>
+          <a:xfrm rot="0">
+            <a:off x="360680" y="415290"/>
+            <a:ext cx="11667490" cy="3536950"/>
           </a:xfrm>
           <a:prstGeom prst="rect"/>
           <a:noFill/>
@@ -4379,16 +4299,16 @@
               <a:buNone/>
             </a:pPr>
             <a:r>
-              <a:rPr lang="ko-KR" i="0" b="1">
+              <a:rPr lang="ko-KR" sz="3000" i="0" b="1">
                 <a:solidFill>
                   <a:srgbClr val="212529"/>
                 </a:solidFill>
                 <a:latin typeface="Malgun Gothic" charset="0"/>
                 <a:ea typeface="Malgun Gothic" charset="0"/>
               </a:rPr>
-              <a:t>deltaTime</a:t>
-            </a:r>
-            <a:endParaRPr lang="ko-KR" altLang="en-US" i="0" b="1">
+              <a:t>웹통신(GET / POST)</a:t>
+            </a:r>
+            <a:endParaRPr lang="ko-KR" altLang="en-US" sz="3000" i="0" b="1">
               <a:solidFill>
                 <a:srgbClr val="212529"/>
               </a:solidFill>
@@ -4422,24 +4342,24 @@
                 <a:latin typeface="Malgun Gothic" charset="0"/>
                 <a:ea typeface="Malgun Gothic" charset="0"/>
               </a:rPr>
-              <a:t> - </a:t>
-            </a:r>
-            <a:r>
-              <a:rPr lang="ko-KR" sz="1350" i="0" b="0">
+              <a:t> </a:t>
+            </a:r>
+            <a:r>
+              <a:rPr lang="ko-KR" sz="2000" i="0" b="0">
                 <a:solidFill>
                   <a:srgbClr val="212529"/>
                 </a:solidFill>
-                <a:latin typeface="Malgun Gothic" charset="0"/>
-                <a:ea typeface="Malgun Gothic" charset="0"/>
+                <a:latin typeface="맑은 고딕" charset="0"/>
+                <a:ea typeface="맑은 고딕" charset="0"/>
               </a:rPr>
-              <a:t>FPS(Frames Per Second) 초당 프레임 수  </a:t>
-            </a:r>
-            <a:endParaRPr lang="ko-KR" altLang="en-US" sz="1350" i="0" b="0">
+              <a:t>GET</a:t>
+            </a:r>
+            <a:endParaRPr lang="ko-KR" altLang="en-US" sz="2000" i="0" b="0">
               <a:solidFill>
                 <a:srgbClr val="212529"/>
               </a:solidFill>
-              <a:latin typeface="Malgun Gothic" charset="0"/>
-              <a:ea typeface="Malgun Gothic" charset="0"/>
+              <a:latin typeface="맑은 고딕" charset="0"/>
+              <a:ea typeface="맑은 고딕" charset="0"/>
             </a:endParaRPr>
           </a:p>
           <a:p>
@@ -4448,31 +4368,31 @@
               <a:buNone/>
             </a:pPr>
             <a:r>
-              <a:rPr sz="1350" i="0" b="0">
+              <a:rPr sz="2000" i="0" b="0">
                 <a:solidFill>
                   <a:srgbClr val="212529"/>
                 </a:solidFill>
-                <a:latin typeface="Malgun Gothic" charset="0"/>
-                <a:ea typeface="Malgun Gothic" charset="0"/>
+                <a:latin typeface="맑은 고딕" charset="0"/>
+                <a:ea typeface="맑은 고딕" charset="0"/>
               </a:rPr>
               <a:t> - </a:t>
             </a:r>
             <a:r>
-              <a:rPr lang="ko-KR" sz="1350" i="0" b="0">
+              <a:rPr lang="ko-KR" sz="2000" i="0" b="0">
                 <a:solidFill>
                   <a:srgbClr val="212529"/>
                 </a:solidFill>
-                <a:latin typeface="Malgun Gothic" charset="0"/>
-                <a:ea typeface="Malgun Gothic" charset="0"/>
+                <a:latin typeface="맑은 고딕" charset="0"/>
+                <a:ea typeface="맑은 고딕" charset="0"/>
               </a:rPr>
-              <a:t>플랫폼, 사양 등의 프레임에 따라 결정.</a:t>
-            </a:r>
-            <a:endParaRPr lang="ko-KR" altLang="en-US" sz="1350" i="0" b="0">
+              <a:t>데이터를 주소(URL)에 붙여서 보냄.</a:t>
+            </a:r>
+            <a:endParaRPr lang="ko-KR" altLang="en-US" sz="2000" i="0" b="0">
               <a:solidFill>
                 <a:srgbClr val="212529"/>
               </a:solidFill>
-              <a:latin typeface="Malgun Gothic" charset="0"/>
-              <a:ea typeface="Malgun Gothic" charset="0"/>
+              <a:latin typeface="맑은 고딕" charset="0"/>
+              <a:ea typeface="맑은 고딕" charset="0"/>
             </a:endParaRPr>
           </a:p>
           <a:p>
@@ -4481,21 +4401,21 @@
               <a:buNone/>
             </a:pPr>
             <a:r>
-              <a:rPr lang="ko-KR" sz="1350" i="0" b="0">
+              <a:rPr lang="ko-KR" sz="2000" i="0" b="0">
                 <a:solidFill>
                   <a:srgbClr val="212529"/>
                 </a:solidFill>
-                <a:latin typeface="Malgun Gothic" charset="0"/>
-                <a:ea typeface="Malgun Gothic" charset="0"/>
+                <a:latin typeface="맑은 고딕" charset="0"/>
+                <a:ea typeface="맑은 고딕" charset="0"/>
               </a:rPr>
-              <a:t> - 다른 환경에서 동일한 결과를 내기위한 수단.</a:t>
-            </a:r>
-            <a:endParaRPr lang="ko-KR" altLang="en-US" sz="1350" i="0" b="0">
+              <a:t> Ex) https://example.com/search?query=test</a:t>
+            </a:r>
+            <a:endParaRPr lang="ko-KR" altLang="en-US" sz="2000" i="0" b="0">
               <a:solidFill>
                 <a:srgbClr val="212529"/>
               </a:solidFill>
-              <a:latin typeface="Malgun Gothic" charset="0"/>
-              <a:ea typeface="Malgun Gothic" charset="0"/>
+              <a:latin typeface="맑은 고딕" charset="0"/>
+              <a:ea typeface="맑은 고딕" charset="0"/>
             </a:endParaRPr>
           </a:p>
           <a:p>
@@ -4504,303 +4424,88 @@
               <a:buNone/>
             </a:pPr>
             <a:r>
-              <a:rPr lang="ko-KR" sz="1350" i="0" b="0">
+              <a:rPr lang="ko-KR" sz="2000" i="0" b="0">
                 <a:solidFill>
                   <a:srgbClr val="212529"/>
                 </a:solidFill>
-                <a:latin typeface="Malgun Gothic" charset="0"/>
-                <a:ea typeface="Malgun Gothic" charset="0"/>
+                <a:latin typeface="맑은 고딕" charset="0"/>
+                <a:ea typeface="맑은 고딕" charset="0"/>
               </a:rPr>
               <a:t> - </a:t>
             </a:r>
             <a:r>
-              <a:rPr lang="ko-KR" sz="1350" i="0" b="0">
-                <a:solidFill>
-                  <a:srgbClr val="212529"/>
-                </a:solidFill>
-                <a:latin typeface="Malgun Gothic" charset="0"/>
-                <a:ea typeface="Malgun Gothic" charset="0"/>
+              <a:rPr sz="2000" b="0">
+                <a:latin typeface="맑은 고딕" charset="0"/>
+                <a:ea typeface="맑은 고딕" charset="0"/>
               </a:rPr>
-              <a:t>e</a:t>
-            </a:r>
-            <a:r>
-              <a:rPr lang="ko-KR" sz="1350" i="0" b="0">
-                <a:solidFill>
-                  <a:srgbClr val="212529"/>
-                </a:solidFill>
-                <a:latin typeface="Malgun Gothic" charset="0"/>
-                <a:ea typeface="Malgun Gothic" charset="0"/>
-              </a:rPr>
-              <a:t>x) </a:t>
-            </a:r>
-            <a:r>
-              <a:rPr lang="ko-KR" sz="1350" i="0" b="0">
-                <a:solidFill>
-                  <a:srgbClr val="212529"/>
-                </a:solidFill>
-                <a:latin typeface="Malgun Gothic" charset="0"/>
-                <a:ea typeface="Malgun Gothic" charset="0"/>
-              </a:rPr>
-              <a:t>1</a:t>
-            </a:r>
-            <a:r>
-              <a:rPr lang="ko-KR" sz="1350" i="0" b="0">
-                <a:solidFill>
-                  <a:srgbClr val="212529"/>
-                </a:solidFill>
-                <a:latin typeface="Malgun Gothic" charset="0"/>
-                <a:ea typeface="Malgun Gothic" charset="0"/>
-              </a:rPr>
-              <a:t>0</a:t>
-            </a:r>
-            <a:r>
-              <a:rPr lang="ko-KR" sz="1350" i="0" b="0">
-                <a:solidFill>
-                  <a:srgbClr val="212529"/>
-                </a:solidFill>
-                <a:latin typeface="Malgun Gothic" charset="0"/>
-                <a:ea typeface="Malgun Gothic" charset="0"/>
-              </a:rPr>
-              <a:t>F</a:t>
-            </a:r>
-            <a:r>
-              <a:rPr lang="ko-KR" sz="1350" i="0" b="0">
-                <a:solidFill>
-                  <a:srgbClr val="212529"/>
-                </a:solidFill>
-                <a:latin typeface="Malgun Gothic" charset="0"/>
-                <a:ea typeface="Malgun Gothic" charset="0"/>
-              </a:rPr>
-              <a:t>PS </a:t>
-            </a:r>
-            <a:r>
-              <a:rPr lang="ko-KR" sz="1350" i="0" b="0">
-                <a:solidFill>
-                  <a:srgbClr val="212529"/>
-                </a:solidFill>
-                <a:latin typeface="Malgun Gothic" charset="0"/>
-                <a:ea typeface="Malgun Gothic" charset="0"/>
-              </a:rPr>
-              <a:t>d</a:t>
-            </a:r>
-            <a:r>
-              <a:rPr lang="ko-KR" sz="1350" i="0" b="0">
-                <a:solidFill>
-                  <a:srgbClr val="212529"/>
-                </a:solidFill>
-                <a:latin typeface="Malgun Gothic" charset="0"/>
-                <a:ea typeface="Malgun Gothic" charset="0"/>
-              </a:rPr>
-              <a:t>eltaTime : 1/10</a:t>
-            </a:r>
-            <a:endParaRPr lang="ko-KR" altLang="en-US" sz="1350" i="0" b="0">
-              <a:solidFill>
-                <a:srgbClr val="212529"/>
-              </a:solidFill>
-              <a:latin typeface="Malgun Gothic" charset="0"/>
-              <a:ea typeface="Malgun Gothic" charset="0"/>
-            </a:endParaRPr>
-          </a:p>
-          <a:p>
-            <a:pPr marL="0" indent="0" algn="l">
-              <a:buFontTx/>
-              <a:buNone/>
-            </a:pPr>
-            <a:r>
-              <a:rPr lang="ko-KR" sz="1350" i="0" b="0">
-                <a:solidFill>
-                  <a:srgbClr val="212529"/>
-                </a:solidFill>
-                <a:latin typeface="Malgun Gothic" charset="0"/>
-                <a:ea typeface="Malgun Gothic" charset="0"/>
-              </a:rPr>
-              <a:t> - </a:t>
-            </a:r>
-            <a:r>
-              <a:rPr lang="ko-KR" sz="1350" i="0" b="0">
-                <a:solidFill>
-                  <a:srgbClr val="212529"/>
-                </a:solidFill>
-                <a:latin typeface="Malgun Gothic" charset="0"/>
-                <a:ea typeface="Malgun Gothic" charset="0"/>
-              </a:rPr>
-              <a:t>e</a:t>
-            </a:r>
-            <a:r>
-              <a:rPr lang="ko-KR" sz="1350" i="0" b="0">
-                <a:solidFill>
-                  <a:srgbClr val="212529"/>
-                </a:solidFill>
-                <a:latin typeface="Malgun Gothic" charset="0"/>
-                <a:ea typeface="Malgun Gothic" charset="0"/>
-              </a:rPr>
-              <a:t>x) </a:t>
-            </a:r>
-            <a:r>
-              <a:rPr lang="ko-KR" sz="1350" i="0" b="0">
-                <a:solidFill>
-                  <a:srgbClr val="212529"/>
-                </a:solidFill>
-                <a:latin typeface="Malgun Gothic" charset="0"/>
-                <a:ea typeface="Malgun Gothic" charset="0"/>
-              </a:rPr>
-              <a:t>2</a:t>
-            </a:r>
-            <a:r>
-              <a:rPr lang="ko-KR" sz="1350" i="0" b="0">
-                <a:solidFill>
-                  <a:srgbClr val="212529"/>
-                </a:solidFill>
-                <a:latin typeface="Malgun Gothic" charset="0"/>
-                <a:ea typeface="Malgun Gothic" charset="0"/>
-              </a:rPr>
-              <a:t>0</a:t>
-            </a:r>
-            <a:r>
-              <a:rPr lang="ko-KR" sz="1350" i="0" b="0">
-                <a:solidFill>
-                  <a:srgbClr val="212529"/>
-                </a:solidFill>
-                <a:latin typeface="Malgun Gothic" charset="0"/>
-                <a:ea typeface="Malgun Gothic" charset="0"/>
-              </a:rPr>
-              <a:t>F</a:t>
-            </a:r>
-            <a:r>
-              <a:rPr lang="ko-KR" sz="1350" i="0" b="0">
-                <a:solidFill>
-                  <a:srgbClr val="212529"/>
-                </a:solidFill>
-                <a:latin typeface="Malgun Gothic" charset="0"/>
-                <a:ea typeface="Malgun Gothic" charset="0"/>
-              </a:rPr>
-              <a:t>PS </a:t>
-            </a:r>
-            <a:r>
-              <a:rPr lang="ko-KR" sz="1350" i="0" b="0">
-                <a:solidFill>
-                  <a:srgbClr val="212529"/>
-                </a:solidFill>
-                <a:latin typeface="Malgun Gothic" charset="0"/>
-                <a:ea typeface="Malgun Gothic" charset="0"/>
-              </a:rPr>
-              <a:t>d</a:t>
-            </a:r>
-            <a:r>
-              <a:rPr lang="ko-KR" sz="1350" i="0" b="0">
-                <a:solidFill>
-                  <a:srgbClr val="212529"/>
-                </a:solidFill>
-                <a:latin typeface="Malgun Gothic" charset="0"/>
-                <a:ea typeface="Malgun Gothic" charset="0"/>
-              </a:rPr>
-              <a:t>eltaTime : 1/</a:t>
-            </a:r>
-            <a:r>
-              <a:rPr lang="ko-KR" sz="1350" i="0" b="0">
-                <a:solidFill>
-                  <a:srgbClr val="212529"/>
-                </a:solidFill>
-                <a:latin typeface="Malgun Gothic" charset="0"/>
-                <a:ea typeface="Malgun Gothic" charset="0"/>
-              </a:rPr>
-              <a:t>2</a:t>
-            </a:r>
-            <a:r>
-              <a:rPr lang="ko-KR" sz="1350" i="0" b="0">
-                <a:solidFill>
-                  <a:srgbClr val="212529"/>
-                </a:solidFill>
-                <a:latin typeface="Malgun Gothic" charset="0"/>
-                <a:ea typeface="Malgun Gothic" charset="0"/>
-              </a:rPr>
-              <a:t>0</a:t>
-            </a:r>
-            <a:endParaRPr lang="ko-KR" altLang="en-US" sz="1350" i="0" b="0">
-              <a:solidFill>
-                <a:srgbClr val="212529"/>
-              </a:solidFill>
-              <a:latin typeface="Malgun Gothic" charset="0"/>
-              <a:ea typeface="Malgun Gothic" charset="0"/>
-            </a:endParaRPr>
-          </a:p>
-          <a:p>
-            <a:pPr marL="0" indent="0" algn="l">
-              <a:buFontTx/>
-              <a:buNone/>
-            </a:pPr>
-            <a:endParaRPr lang="ko-KR" altLang="en-US" sz="1350" i="0" b="0">
-              <a:solidFill>
-                <a:srgbClr val="212529"/>
-              </a:solidFill>
-              <a:latin typeface="Malgun Gothic" charset="0"/>
-              <a:ea typeface="Malgun Gothic" charset="0"/>
-            </a:endParaRPr>
-          </a:p>
-          <a:p>
-            <a:pPr marL="0" indent="0" algn="l">
-              <a:buFontTx/>
-              <a:buNone/>
-            </a:pPr>
-            <a:r>
-              <a:rPr lang="ko-KR" i="0" b="1">
-                <a:solidFill>
-                  <a:srgbClr val="212529"/>
-                </a:solidFill>
-                <a:latin typeface="Malgun Gothic" charset="0"/>
-                <a:ea typeface="Malgun Gothic" charset="0"/>
-              </a:rPr>
-              <a:t>공식문서 : https://docs.unity3d.com/kr/2023.2/Manual/TimeFrameManagement.html</a:t>
-            </a:r>
-            <a:endParaRPr lang="ko-KR" altLang="en-US" i="0" b="1">
-              <a:solidFill>
-                <a:srgbClr val="212529"/>
-              </a:solidFill>
-              <a:latin typeface="Malgun Gothic" charset="0"/>
-              <a:ea typeface="Malgun Gothic" charset="0"/>
-            </a:endParaRPr>
-          </a:p>
-          <a:p>
-            <a:pPr marL="0" indent="0" algn="l">
-              <a:buFontTx/>
-              <a:buNone/>
-            </a:pPr>
-            <a:endParaRPr lang="ko-KR" altLang="en-US" sz="1800">
+              <a:t>빠르지만 보안에 취약.</a:t>
+            </a:r>
+            <a:endParaRPr lang="ko-KR" altLang="en-US" sz="2000" b="0">
               <a:latin typeface="맑은 고딕" charset="0"/>
               <a:ea typeface="맑은 고딕" charset="0"/>
             </a:endParaRPr>
           </a:p>
-        </p:txBody>
-      </p:sp>
-      <p:pic>
-        <p:nvPicPr>
-          <p:cNvPr id="4" name="그림 1"/>
-          <p:cNvPicPr>
-            <a:picLocks noChangeAspect="1"/>
-          </p:cNvPicPr>
-          <p:nvPr/>
-        </p:nvPicPr>
-        <p:blipFill rotWithShape="1">
-          <a:blip r:embed="rId2" cstate="print">
-            <a:extLst>
-              <a:ext uri="{28A0092B-C50C-407E-A947-70E740481C1C}">
-                <a14:useLocalDpi xmlns:a14="http://schemas.microsoft.com/office/drawing/2010/main" val="0"/>
-              </a:ext>
-            </a:extLst>
-          </a:blip>
-          <a:stretch>
-            <a:fillRect/>
-          </a:stretch>
-        </p:blipFill>
-        <p:spPr>
-          <a:xfrm rot="0">
-            <a:off x="1268730" y="2573020"/>
-            <a:ext cx="7712075" cy="4176395"/>
-          </a:xfrm>
-          <a:prstGeom prst="rect"/>
-          <a:noFill/>
-        </p:spPr>
-      </p:pic>
+          <a:p>
+            <a:pPr marL="0" indent="0" algn="l">
+              <a:buFontTx/>
+              <a:buNone/>
+            </a:pPr>
+            <a:endParaRPr lang="ko-KR" altLang="en-US"/>
+          </a:p>
+          <a:p>
+            <a:pPr marL="0" indent="0" algn="l">
+              <a:buFontTx/>
+              <a:buNone/>
+            </a:pPr>
+            <a:endParaRPr lang="ko-KR" altLang="en-US"/>
+          </a:p>
+          <a:p>
+            <a:pPr marL="0" indent="0" algn="l">
+              <a:buFontTx/>
+              <a:buNone/>
+            </a:pPr>
+            <a:r>
+              <a:rPr lang="ko-KR" sz="2000"/>
+              <a:t>POST</a:t>
+            </a:r>
+            <a:endParaRPr lang="ko-KR" altLang="en-US" sz="2000"/>
+          </a:p>
+          <a:p>
+            <a:pPr marL="0" indent="0" algn="l">
+              <a:buFontTx/>
+              <a:buNone/>
+            </a:pPr>
+            <a:r>
+              <a:rPr lang="ko-KR" sz="2000"/>
+              <a:t> - </a:t>
+            </a:r>
+            <a:r>
+              <a:rPr sz="2000"/>
+              <a:t>데이터를 본문(body)에 숨겨서 보냄.</a:t>
+            </a:r>
+            <a:endParaRPr lang="ko-KR" altLang="en-US" sz="2000"/>
+          </a:p>
+          <a:p>
+            <a:pPr marL="0" indent="0" algn="l">
+              <a:buFontTx/>
+              <a:buNone/>
+            </a:pPr>
+            <a:r>
+              <a:rPr sz="2000"/>
+              <a:t> - 보안에 좀 더 강함(</a:t>
+            </a:r>
+            <a:r>
+              <a:rPr lang="ko-KR" sz="2000"/>
+              <a:t>상대적으로</a:t>
+            </a:r>
+            <a:r>
+              <a:rPr sz="2000"/>
+              <a:t>)</a:t>
+            </a:r>
+            <a:endParaRPr lang="ko-KR" altLang="en-US" sz="2000"/>
+          </a:p>
+        </p:txBody>
+      </p:sp>
     </p:spTree>
   </p:cSld>
   <p:clrMapOvr>
@@ -4825,7 +4530,7 @@
 </file>
 
 <file path=ppt/slides/slide3.xml><?xml version="1.0" encoding="utf-8"?>
-<p:sld xmlns:a="http://schemas.openxmlformats.org/drawingml/2006/main" xmlns:r="http://schemas.openxmlformats.org/officeDocument/2006/relationships" xmlns:p="http://schemas.openxmlformats.org/presentationml/2006/main">
+<p:sld xmlns:a="http://schemas.openxmlformats.org/drawingml/2006/main" xmlns:r="http://schemas.openxmlformats.org/officeDocument/2006/relationships" xmlns:p="http://schemas.openxmlformats.org/presentationml/2006/main" xmlns:p14="http://schemas.microsoft.com/office/powerpoint/2010/main">
   <p:cSld>
     <p:spTree>
       <p:nvGrpSpPr>
@@ -4851,8 +4556,8 @@
         </p:nvSpPr>
         <p:spPr>
           <a:xfrm rot="0">
-            <a:off x="1269365" y="415290"/>
-            <a:ext cx="7432675" cy="3007995"/>
+            <a:off x="380365" y="415290"/>
+            <a:ext cx="5498465" cy="4699635"/>
           </a:xfrm>
           <a:prstGeom prst="rect"/>
           <a:noFill/>
@@ -4876,26 +4581,16 @@
               <a:buNone/>
             </a:pPr>
             <a:r>
-              <a:rPr lang="ko-KR" i="0" b="1">
+              <a:rPr lang="ko-KR" sz="3000" i="0" b="1">
                 <a:solidFill>
                   <a:srgbClr val="212529"/>
                 </a:solidFill>
                 <a:latin typeface="Malgun Gothic" charset="0"/>
                 <a:ea typeface="Malgun Gothic" charset="0"/>
               </a:rPr>
-              <a:t>웹통신(G</a:t>
-            </a:r>
-            <a:r>
-              <a:rPr lang="ko-KR" i="0" b="1">
-                <a:solidFill>
-                  <a:srgbClr val="212529"/>
-                </a:solidFill>
-                <a:latin typeface="Malgun Gothic" charset="0"/>
-                <a:ea typeface="Malgun Gothic" charset="0"/>
-              </a:rPr>
-              <a:t>ET / POST)</a:t>
-            </a:r>
-            <a:endParaRPr lang="ko-KR" altLang="en-US" i="0" b="1">
+              <a:t>deltaTime</a:t>
+            </a:r>
+            <a:endParaRPr lang="ko-KR" altLang="en-US" sz="3000" i="0" b="1">
               <a:solidFill>
                 <a:srgbClr val="212529"/>
               </a:solidFill>
@@ -4922,119 +4617,128 @@
               <a:buNone/>
             </a:pPr>
             <a:r>
-              <a:rPr sz="1350" i="0" b="0">
+              <a:rPr sz="2000" i="0" b="0">
                 <a:solidFill>
                   <a:srgbClr val="212529"/>
                 </a:solidFill>
                 <a:latin typeface="Malgun Gothic" charset="0"/>
                 <a:ea typeface="Malgun Gothic" charset="0"/>
               </a:rPr>
-              <a:t> </a:t>
-            </a:r>
-            <a:r>
-              <a:rPr lang="ko-KR" sz="1350" i="0" b="0">
+              <a:t> - </a:t>
+            </a:r>
+            <a:r>
+              <a:rPr lang="ko-KR" sz="2000" i="0" b="0">
                 <a:solidFill>
                   <a:srgbClr val="212529"/>
                 </a:solidFill>
                 <a:latin typeface="Malgun Gothic" charset="0"/>
                 <a:ea typeface="Malgun Gothic" charset="0"/>
               </a:rPr>
-              <a:t>G</a:t>
-            </a:r>
-            <a:r>
-              <a:rPr lang="ko-KR" sz="1350" i="0" b="0">
+              <a:t>FPS(Frames Per Second) 초당 프레임 수  </a:t>
+            </a:r>
+            <a:endParaRPr lang="ko-KR" altLang="en-US" sz="2000" i="0" b="0">
+              <a:solidFill>
+                <a:srgbClr val="212529"/>
+              </a:solidFill>
+              <a:latin typeface="Malgun Gothic" charset="0"/>
+              <a:ea typeface="Malgun Gothic" charset="0"/>
+            </a:endParaRPr>
+          </a:p>
+          <a:p>
+            <a:pPr marL="0" indent="0" algn="l">
+              <a:buFontTx/>
+              <a:buNone/>
+            </a:pPr>
+            <a:r>
+              <a:rPr sz="2000" i="0" b="0">
                 <a:solidFill>
                   <a:srgbClr val="212529"/>
                 </a:solidFill>
                 <a:latin typeface="Malgun Gothic" charset="0"/>
                 <a:ea typeface="Malgun Gothic" charset="0"/>
               </a:rPr>
-              <a:t>ET</a:t>
-            </a:r>
-            <a:endParaRPr lang="ko-KR" altLang="en-US" sz="1400" i="0" b="0">
-              <a:latin typeface="맑은 고딕" charset="0"/>
-              <a:ea typeface="맑은 고딕" charset="0"/>
-            </a:endParaRPr>
-          </a:p>
-          <a:p>
-            <a:pPr marL="0" indent="0" algn="l">
-              <a:buFontTx/>
-              <a:buNone/>
-            </a:pPr>
-            <a:r>
-              <a:rPr sz="1400" i="0" b="0">
-                <a:solidFill>
-                  <a:srgbClr val="212529"/>
-                </a:solidFill>
-                <a:latin typeface="맑은 고딕" charset="0"/>
-                <a:ea typeface="맑은 고딕" charset="0"/>
-              </a:rPr>
               <a:t> - </a:t>
             </a:r>
             <a:r>
-              <a:rPr lang="ko-KR" sz="1400" i="0" b="1">
-                <a:solidFill>
-                  <a:srgbClr val="212529"/>
-                </a:solidFill>
-                <a:latin typeface="맑은 고딕" charset="0"/>
-                <a:ea typeface="맑은 고딕" charset="0"/>
-              </a:rPr>
-              <a:t>데이터를 주소(URL)에 붙여서 보냄.</a:t>
-            </a:r>
-            <a:endParaRPr lang="ko-KR" altLang="en-US" sz="1400" i="0" b="1">
-              <a:solidFill>
-                <a:srgbClr val="212529"/>
-              </a:solidFill>
-              <a:latin typeface="맑은 고딕" charset="0"/>
-              <a:ea typeface="맑은 고딕" charset="0"/>
-            </a:endParaRPr>
-          </a:p>
-          <a:p>
-            <a:pPr marL="0" indent="0" algn="l">
-              <a:buFontTx/>
-              <a:buNone/>
-            </a:pPr>
-            <a:r>
-              <a:rPr lang="ko-KR" i="0" b="1">
+              <a:rPr lang="ko-KR" sz="2000" i="0" b="0">
                 <a:solidFill>
                   <a:srgbClr val="212529"/>
                 </a:solidFill>
                 <a:latin typeface="Malgun Gothic" charset="0"/>
                 <a:ea typeface="Malgun Gothic" charset="0"/>
               </a:rPr>
-              <a:t> E</a:t>
-            </a:r>
-            <a:r>
-              <a:rPr lang="ko-KR" i="0" b="1">
+              <a:t>플랫폼, 사양 등의 프레임에 따라 결정.</a:t>
+            </a:r>
+            <a:endParaRPr lang="ko-KR" altLang="en-US" sz="2000" i="0" b="0">
+              <a:solidFill>
+                <a:srgbClr val="212529"/>
+              </a:solidFill>
+              <a:latin typeface="Malgun Gothic" charset="0"/>
+              <a:ea typeface="Malgun Gothic" charset="0"/>
+            </a:endParaRPr>
+          </a:p>
+          <a:p>
+            <a:pPr marL="0" indent="0" algn="l">
+              <a:buFontTx/>
+              <a:buNone/>
+            </a:pPr>
+            <a:r>
+              <a:rPr lang="ko-KR" sz="2000" i="0" b="0">
                 <a:solidFill>
                   <a:srgbClr val="212529"/>
                 </a:solidFill>
                 <a:latin typeface="Malgun Gothic" charset="0"/>
                 <a:ea typeface="Malgun Gothic" charset="0"/>
               </a:rPr>
-              <a:t>x) </a:t>
-            </a:r>
-            <a:r>
-              <a:rPr lang="ko-KR" i="0" b="1">
+              <a:t> - 다른 환경에서 동일한 결과를 내기위한 수단.</a:t>
+            </a:r>
+            <a:endParaRPr lang="ko-KR" altLang="en-US" sz="2000" i="0" b="0">
+              <a:solidFill>
+                <a:srgbClr val="212529"/>
+              </a:solidFill>
+              <a:latin typeface="Malgun Gothic" charset="0"/>
+              <a:ea typeface="Malgun Gothic" charset="0"/>
+            </a:endParaRPr>
+          </a:p>
+          <a:p>
+            <a:pPr marL="0" indent="0" algn="l">
+              <a:buFontTx/>
+              <a:buNone/>
+            </a:pPr>
+            <a:r>
+              <a:rPr lang="ko-KR" sz="2000" i="0" b="0">
                 <a:solidFill>
                   <a:srgbClr val="212529"/>
                 </a:solidFill>
                 <a:latin typeface="Malgun Gothic" charset="0"/>
                 <a:ea typeface="Malgun Gothic" charset="0"/>
               </a:rPr>
-              <a:t>https://example.com/search?query=t</a:t>
-            </a:r>
-            <a:r>
-              <a:rPr lang="ko-KR" i="0" b="1">
+              <a:t> - ex) 10FPS deltaTime : 1/10</a:t>
+            </a:r>
+            <a:endParaRPr lang="ko-KR" altLang="en-US" sz="2000" i="0" b="0">
+              <a:solidFill>
+                <a:srgbClr val="212529"/>
+              </a:solidFill>
+              <a:latin typeface="Malgun Gothic" charset="0"/>
+              <a:ea typeface="Malgun Gothic" charset="0"/>
+            </a:endParaRPr>
+          </a:p>
+          <a:p>
+            <a:pPr marL="0" indent="0" algn="l">
+              <a:buFontTx/>
+              <a:buNone/>
+            </a:pPr>
+            <a:r>
+              <a:rPr lang="ko-KR" sz="2000" i="0" b="0">
                 <a:solidFill>
                   <a:srgbClr val="212529"/>
                 </a:solidFill>
                 <a:latin typeface="Malgun Gothic" charset="0"/>
                 <a:ea typeface="Malgun Gothic" charset="0"/>
               </a:rPr>
-              <a:t>est</a:t>
-            </a:r>
-            <a:endParaRPr lang="ko-KR" altLang="en-US" i="0" b="1">
+              <a:t> - ex) 20FPS deltaTime : 1/20</a:t>
+            </a:r>
+            <a:endParaRPr lang="ko-KR" altLang="en-US" sz="2000" i="0" b="0">
               <a:solidFill>
                 <a:srgbClr val="212529"/>
               </a:solidFill>
@@ -5047,35 +4751,30 @@
               <a:buFontTx/>
               <a:buNone/>
             </a:pPr>
-            <a:r>
-              <a:rPr lang="ko-KR" i="0" b="1">
+            <a:endParaRPr lang="ko-KR" altLang="en-US" sz="1350" i="0" b="0">
+              <a:solidFill>
+                <a:srgbClr val="212529"/>
+              </a:solidFill>
+              <a:latin typeface="Malgun Gothic" charset="0"/>
+              <a:ea typeface="Malgun Gothic" charset="0"/>
+            </a:endParaRPr>
+          </a:p>
+          <a:p>
+            <a:pPr marL="0" indent="0" algn="l">
+              <a:buFontTx/>
+              <a:buNone/>
+            </a:pPr>
+            <a:r>
+              <a:rPr lang="ko-KR" sz="3000" i="0" b="1">
                 <a:solidFill>
                   <a:srgbClr val="212529"/>
                 </a:solidFill>
                 <a:latin typeface="Malgun Gothic" charset="0"/>
                 <a:ea typeface="Malgun Gothic" charset="0"/>
               </a:rPr>
-              <a:t> </a:t>
-            </a:r>
-            <a:r>
-              <a:rPr lang="ko-KR" i="0" b="1">
-                <a:solidFill>
-                  <a:srgbClr val="212529"/>
-                </a:solidFill>
-                <a:latin typeface="Malgun Gothic" charset="0"/>
-                <a:ea typeface="Malgun Gothic" charset="0"/>
-              </a:rPr>
-              <a:t>- </a:t>
-            </a:r>
-            <a:r>
-              <a:rPr/>
-              <a:t>빠르지만 보안에 </a:t>
-            </a:r>
-            <a:r>
-              <a:rPr/>
-              <a:t>취약.</a:t>
-            </a:r>
-            <a:endParaRPr lang="ko-KR" altLang="en-US" i="0" b="1">
+              <a:t>공식문서 : https://docs.unity3d.com/kr/2023.2/Manual/TimeFrameManagement.html</a:t>
+            </a:r>
+            <a:endParaRPr lang="ko-KR" altLang="en-US" sz="3000" i="0" b="1">
               <a:solidFill>
                 <a:srgbClr val="212529"/>
               </a:solidFill>
@@ -5088,78 +4787,42 @@
               <a:buFontTx/>
               <a:buNone/>
             </a:pPr>
-            <a:endParaRPr lang="ko-KR" altLang="en-US"/>
-          </a:p>
-          <a:p>
-            <a:pPr marL="0" indent="0" algn="l">
-              <a:buFontTx/>
-              <a:buNone/>
-            </a:pPr>
-            <a:endParaRPr lang="ko-KR" altLang="en-US"/>
-          </a:p>
-          <a:p>
-            <a:pPr marL="0" indent="0" algn="l">
-              <a:buFontTx/>
-              <a:buNone/>
-            </a:pPr>
-            <a:r>
-              <a:rPr lang="ko-KR"/>
-              <a:t>P</a:t>
-            </a:r>
-            <a:r>
-              <a:rPr lang="ko-KR"/>
-              <a:t>OST</a:t>
-            </a:r>
-            <a:endParaRPr lang="ko-KR" altLang="en-US"/>
-          </a:p>
-          <a:p>
-            <a:pPr marL="0" indent="0" algn="l">
-              <a:buFontTx/>
-              <a:buNone/>
-            </a:pPr>
-            <a:r>
-              <a:rPr lang="ko-KR"/>
-              <a:t> - </a:t>
-            </a:r>
-            <a:r>
-              <a:rPr/>
-              <a:t>데이터를 본문(body)에 숨겨서 보냄</a:t>
-            </a:r>
-            <a:r>
-              <a:rPr/>
-              <a:t>.</a:t>
-            </a:r>
-            <a:endParaRPr lang="ko-KR" altLang="en-US"/>
-          </a:p>
-          <a:p>
-            <a:pPr marL="0" indent="0" algn="l">
-              <a:buFontTx/>
-              <a:buNone/>
-            </a:pPr>
-            <a:r>
-              <a:rPr/>
-              <a:t> - </a:t>
-            </a:r>
-            <a:r>
-              <a:rPr/>
-              <a:t>보안에 좀 더 강함</a:t>
-            </a:r>
-            <a:r>
-              <a:rPr/>
-              <a:t>(</a:t>
-            </a:r>
-            <a:r>
-              <a:rPr lang="ko-KR"/>
-              <a:t>상대적으로</a:t>
-            </a:r>
-            <a:r>
-              <a:rPr/>
-              <a:t>)</a:t>
-            </a:r>
-            <a:endParaRPr lang="ko-KR" altLang="en-US"/>
-          </a:p>
-        </p:txBody>
-      </p:sp>
+            <a:endParaRPr lang="ko-KR" altLang="en-US" sz="1800">
+              <a:latin typeface="맑은 고딕" charset="0"/>
+              <a:ea typeface="맑은 고딕" charset="0"/>
+            </a:endParaRPr>
+          </a:p>
+        </p:txBody>
+      </p:sp>
+      <p:pic>
+        <p:nvPicPr>
+          <p:cNvPr id="4" name="그림 1" descr="C:/Users/limsg/AppData/Roaming/PolarisOffice/ETemp/27712_13512232/fImage6225311641.png"/>
+          <p:cNvPicPr>
+            <a:picLocks noChangeAspect="1"/>
+          </p:cNvPicPr>
+          <p:nvPr/>
+        </p:nvPicPr>
+        <p:blipFill rotWithShape="1">
+          <a:blip r:embed="rId2" cstate="hqprint">
+            <a:extLst>
+              <a:ext uri="{28A0092B-C50C-407E-A947-70E740481C1C}">
+                <a14:useLocalDpi xmlns:a14="http://schemas.microsoft.com/office/drawing/2010/main"/>
+              </a:ext>
+            </a:extLst>
+          </a:blip>
+          <a:stretch>
+            <a:fillRect/>
+          </a:stretch>
+        </p:blipFill>
+        <p:spPr>
+          <a:xfrm rot="0">
+            <a:off x="5828665" y="-635"/>
+            <a:ext cx="6357620" cy="6661150"/>
+          </a:xfrm>
+          <a:prstGeom prst="rect"/>
+          <a:noFill/>
+        </p:spPr>
+      </p:pic>
     </p:spTree>
   </p:cSld>
   <p:clrMapOvr>
